--- a/Lecture/Final Project 1/Final_Project_1_Lecture.pptx
+++ b/Lecture/Final Project 1/Final_Project_1_Lecture.pptx
@@ -305,7 +305,7 @@
               <a:pPr>
                 <a:defRPr/>
               </a:pPr>
-              <a:t>9/23/2018</a:t>
+              <a:t>2/3/2020</a:t>
             </a:fld>
             <a:endParaRPr lang="en-US" dirty="0"/>
           </a:p>
@@ -517,7 +517,7 @@
               <a:pPr>
                 <a:defRPr/>
               </a:pPr>
-              <a:t>9/23/2018</a:t>
+              <a:t>2/3/2020</a:t>
             </a:fld>
             <a:endParaRPr lang="en-US" dirty="0"/>
           </a:p>
@@ -1036,7 +1036,7 @@
               <a:pPr>
                 <a:defRPr/>
               </a:pPr>
-              <a:t>9/23/2018</a:t>
+              <a:t>2/3/2020</a:t>
             </a:fld>
             <a:endParaRPr lang="en-US" dirty="0"/>
           </a:p>
@@ -1226,7 +1226,7 @@
               <a:pPr>
                 <a:defRPr/>
               </a:pPr>
-              <a:t>9/23/2018</a:t>
+              <a:t>2/3/2020</a:t>
             </a:fld>
             <a:endParaRPr lang="en-US" dirty="0"/>
           </a:p>
@@ -1426,7 +1426,7 @@
               <a:pPr>
                 <a:defRPr/>
               </a:pPr>
-              <a:t>9/23/2018</a:t>
+              <a:t>2/3/2020</a:t>
             </a:fld>
             <a:endParaRPr lang="en-US" dirty="0"/>
           </a:p>
@@ -1694,7 +1694,7 @@
               <a:pPr>
                 <a:defRPr/>
               </a:pPr>
-              <a:t>9/23/2018</a:t>
+              <a:t>2/3/2020</a:t>
             </a:fld>
             <a:endParaRPr lang="en-US" dirty="0">
               <a:solidFill>
@@ -1908,7 +1908,7 @@
               <a:pPr>
                 <a:defRPr/>
               </a:pPr>
-              <a:t>9/23/2018</a:t>
+              <a:t>2/3/2020</a:t>
             </a:fld>
             <a:endParaRPr lang="en-US" dirty="0">
               <a:solidFill>
@@ -2199,7 +2199,7 @@
               <a:pPr>
                 <a:defRPr/>
               </a:pPr>
-              <a:t>9/23/2018</a:t>
+              <a:t>2/3/2020</a:t>
             </a:fld>
             <a:endParaRPr lang="en-US" dirty="0">
               <a:solidFill>
@@ -2530,7 +2530,7 @@
               <a:pPr>
                 <a:defRPr/>
               </a:pPr>
-              <a:t>9/23/2018</a:t>
+              <a:t>2/3/2020</a:t>
             </a:fld>
             <a:endParaRPr lang="en-US" dirty="0">
               <a:solidFill>
@@ -2995,7 +2995,7 @@
               <a:pPr>
                 <a:defRPr/>
               </a:pPr>
-              <a:t>9/23/2018</a:t>
+              <a:t>2/3/2020</a:t>
             </a:fld>
             <a:endParaRPr lang="en-US" dirty="0">
               <a:solidFill>
@@ -3158,7 +3158,7 @@
               <a:pPr>
                 <a:defRPr/>
               </a:pPr>
-              <a:t>9/23/2018</a:t>
+              <a:t>2/3/2020</a:t>
             </a:fld>
             <a:endParaRPr lang="en-US" dirty="0">
               <a:solidFill>
@@ -3299,7 +3299,7 @@
               <a:pPr>
                 <a:defRPr/>
               </a:pPr>
-              <a:t>9/23/2018</a:t>
+              <a:t>2/3/2020</a:t>
             </a:fld>
             <a:endParaRPr lang="en-US" dirty="0">
               <a:solidFill>
@@ -3620,7 +3620,7 @@
               <a:pPr>
                 <a:defRPr/>
               </a:pPr>
-              <a:t>9/23/2018</a:t>
+              <a:t>2/3/2020</a:t>
             </a:fld>
             <a:endParaRPr lang="en-US" dirty="0">
               <a:solidFill>
@@ -3828,7 +3828,7 @@
               <a:pPr>
                 <a:defRPr/>
               </a:pPr>
-              <a:t>9/23/2018</a:t>
+              <a:t>2/3/2020</a:t>
             </a:fld>
             <a:endParaRPr lang="en-US" dirty="0"/>
           </a:p>
@@ -4111,7 +4111,7 @@
               <a:pPr>
                 <a:defRPr/>
               </a:pPr>
-              <a:t>9/23/2018</a:t>
+              <a:t>2/3/2020</a:t>
             </a:fld>
             <a:endParaRPr lang="en-US" dirty="0">
               <a:solidFill>
@@ -4325,7 +4325,7 @@
               <a:pPr>
                 <a:defRPr/>
               </a:pPr>
-              <a:t>9/23/2018</a:t>
+              <a:t>2/3/2020</a:t>
             </a:fld>
             <a:endParaRPr lang="en-US" dirty="0">
               <a:solidFill>
@@ -4549,7 +4549,7 @@
               <a:pPr>
                 <a:defRPr/>
               </a:pPr>
-              <a:t>9/23/2018</a:t>
+              <a:t>2/3/2020</a:t>
             </a:fld>
             <a:endParaRPr lang="en-US" dirty="0">
               <a:solidFill>
@@ -4759,7 +4759,7 @@
               <a:pPr>
                 <a:defRPr/>
               </a:pPr>
-              <a:t>9/23/2018</a:t>
+              <a:t>2/3/2020</a:t>
             </a:fld>
             <a:endParaRPr lang="en-US" dirty="0">
               <a:solidFill>
@@ -5036,7 +5036,7 @@
               <a:pPr>
                 <a:defRPr/>
               </a:pPr>
-              <a:t>9/23/2018</a:t>
+              <a:t>2/3/2020</a:t>
             </a:fld>
             <a:endParaRPr lang="en-US" dirty="0"/>
           </a:p>
@@ -5343,7 +5343,7 @@
               <a:pPr>
                 <a:defRPr/>
               </a:pPr>
-              <a:t>9/23/2018</a:t>
+              <a:t>2/3/2020</a:t>
             </a:fld>
             <a:endParaRPr lang="en-US" dirty="0"/>
           </a:p>
@@ -5784,7 +5784,7 @@
               <a:pPr>
                 <a:defRPr/>
               </a:pPr>
-              <a:t>9/23/2018</a:t>
+              <a:t>2/3/2020</a:t>
             </a:fld>
             <a:endParaRPr lang="en-US" dirty="0"/>
           </a:p>
@@ -5923,7 +5923,7 @@
               <a:pPr>
                 <a:defRPr/>
               </a:pPr>
-              <a:t>9/23/2018</a:t>
+              <a:t>2/3/2020</a:t>
             </a:fld>
             <a:endParaRPr lang="en-US" dirty="0"/>
           </a:p>
@@ -6040,7 +6040,7 @@
               <a:pPr>
                 <a:defRPr/>
               </a:pPr>
-              <a:t>9/23/2018</a:t>
+              <a:t>2/3/2020</a:t>
             </a:fld>
             <a:endParaRPr lang="en-US" dirty="0"/>
           </a:p>
@@ -6337,7 +6337,7 @@
               <a:pPr>
                 <a:defRPr/>
               </a:pPr>
-              <a:t>9/23/2018</a:t>
+              <a:t>2/3/2020</a:t>
             </a:fld>
             <a:endParaRPr lang="en-US" dirty="0"/>
           </a:p>
@@ -6614,7 +6614,7 @@
               <a:pPr>
                 <a:defRPr/>
               </a:pPr>
-              <a:t>9/23/2018</a:t>
+              <a:t>2/3/2020</a:t>
             </a:fld>
             <a:endParaRPr lang="en-US" dirty="0"/>
           </a:p>
@@ -6871,7 +6871,7 @@
               <a:pPr>
                 <a:defRPr/>
               </a:pPr>
-              <a:t>9/23/2018</a:t>
+              <a:t>2/3/2020</a:t>
             </a:fld>
             <a:endParaRPr lang="en-US" dirty="0"/>
           </a:p>
@@ -7581,7 +7581,7 @@
               <a:pPr>
                 <a:defRPr/>
               </a:pPr>
-              <a:t>9/23/2018</a:t>
+              <a:t>2/3/2020</a:t>
             </a:fld>
             <a:endParaRPr lang="en-US" dirty="0">
               <a:solidFill>
@@ -13462,7 +13462,7 @@
         <p:spPr>
           <a:xfrm>
             <a:off x="3962400" y="643467"/>
-            <a:ext cx="5181600" cy="6001643"/>
+            <a:ext cx="5181600" cy="5632311"/>
           </a:xfrm>
           <a:prstGeom prst="rect">
             <a:avLst/>
@@ -13524,7 +13524,7 @@
                   <a:srgbClr val="404040"/>
                 </a:solidFill>
               </a:rPr>
-              <a:t>Schedule a 5 Minute Meeting with Dr. Mario or Sir Thomas Keefe in Office Hours</a:t>
+              <a:t>Schedule a 5 Minute Meeting with Dr. Mario in Office Hours</a:t>
             </a:r>
           </a:p>
           <a:p>
@@ -13810,7 +13810,7 @@
         <p:spPr>
           <a:xfrm>
             <a:off x="3962400" y="643467"/>
-            <a:ext cx="5029200" cy="4893647"/>
+            <a:ext cx="5029200" cy="4524315"/>
           </a:xfrm>
           <a:prstGeom prst="rect">
             <a:avLst/>
@@ -13847,7 +13847,23 @@
                   <a:srgbClr val="404040"/>
                 </a:solidFill>
               </a:rPr>
-              <a:t>Schedule a 5 Minute Meeting with Dr. Mario or Sir Thomas Keefe in Office Hours</a:t>
+              <a:t>Schedule a 5 Minute Meeting with Dr. </a:t>
+            </a:r>
+            <a:r>
+              <a:rPr lang="en-US">
+                <a:solidFill>
+                  <a:srgbClr val="404040"/>
+                </a:solidFill>
+              </a:rPr>
+              <a:t>Mario in </a:t>
+            </a:r>
+            <a:r>
+              <a:rPr lang="en-US" dirty="0">
+                <a:solidFill>
+                  <a:srgbClr val="404040"/>
+                </a:solidFill>
+              </a:rPr>
+              <a:t>Office Hours</a:t>
             </a:r>
           </a:p>
           <a:p>
